--- a/Teaching and VR-AR.pptx
+++ b/Teaching and VR-AR.pptx
@@ -4314,15 +4314,6 @@
             </a:r>
           </a:p>
           <a:p>
-            <a:pPr marL="800100" lvl="1" indent="-342900" algn="l">
-              <a:buFont typeface="Arial" panose="020B0604020202020204" pitchFamily="34" charset="0"/>
-              <a:buChar char="•"/>
-            </a:pPr>
-            <a:endParaRPr lang="en-US" dirty="0">
-              <a:latin typeface="Avenir Book"/>
-            </a:endParaRPr>
-          </a:p>
-          <a:p>
             <a:pPr marL="342900" indent="-342900" algn="l">
               <a:buFont typeface="Arial" panose="020B0604020202020204" pitchFamily="34" charset="0"/>
               <a:buChar char="•"/>
@@ -4382,6 +4373,35 @@
               <a:rPr lang="en-US" dirty="0"/>
               <a:t>What do you think the students would learn from those activities?</a:t>
             </a:r>
+          </a:p>
+          <a:p>
+            <a:pPr marL="800100" lvl="1" indent="-342900" algn="l">
+              <a:buFont typeface="Arial" panose="020B0604020202020204" pitchFamily="34" charset="0"/>
+              <a:buChar char="•"/>
+            </a:pPr>
+            <a:endParaRPr lang="en-US" dirty="0"/>
+          </a:p>
+          <a:p>
+            <a:pPr marL="800100" lvl="1" indent="-342900" algn="l">
+              <a:buFont typeface="Arial" panose="020B0604020202020204" pitchFamily="34" charset="0"/>
+              <a:buChar char="•"/>
+            </a:pPr>
+            <a:endParaRPr lang="en-US" dirty="0"/>
+          </a:p>
+          <a:p>
+            <a:pPr marL="342900" indent="-342900" algn="l">
+              <a:buFont typeface="Arial" panose="020B0604020202020204" pitchFamily="34" charset="0"/>
+              <a:buChar char="•"/>
+            </a:pPr>
+            <a:r>
+              <a:rPr lang="en-US" dirty="0"/>
+              <a:t>Create a poster summarizing </a:t>
+            </a:r>
+            <a:r>
+              <a:rPr lang="en-US"/>
+              <a:t>your discussion</a:t>
+            </a:r>
+            <a:endParaRPr lang="en-US" dirty="0"/>
           </a:p>
           <a:p>
             <a:pPr marL="800100" lvl="1" indent="-342900" algn="l">
